--- a/第六章 Hadoop生态圈Hive.pptx
+++ b/第六章 Hadoop生态圈Hive.pptx
@@ -5438,14 +5438,14 @@
           </a:bodyPr>
           <a:lstStyle/>
           <a:p>
-            <a:pPr algn="dist"/>
+            <a:pPr algn="ctr"/>
             <a:r>
               <a:rPr kumimoji="1" lang="zh-CN" altLang="en-US" sz="6000" dirty="0">
                 <a:solidFill>
                   <a:schemeClr val="bg1"/>
                 </a:solidFill>
               </a:rPr>
-              <a:t>第二章 </a:t>
+              <a:t>第六章 </a:t>
             </a:r>
             <a:r>
               <a:rPr kumimoji="1" lang="en-US" altLang="zh-CN" sz="6000" dirty="0">
@@ -5453,7 +5453,7 @@
                   <a:schemeClr val="bg1"/>
                 </a:solidFill>
               </a:rPr>
-              <a:t>HDFS</a:t>
+              <a:t>Hadoop</a:t>
             </a:r>
             <a:r>
               <a:rPr kumimoji="1" lang="zh-CN" altLang="en-US" sz="6000" dirty="0">
@@ -5461,7 +5461,15 @@
                   <a:schemeClr val="bg1"/>
                 </a:solidFill>
               </a:rPr>
-              <a:t>分布式文件系统</a:t>
+              <a:t>生态圈</a:t>
+            </a:r>
+            <a:r>
+              <a:rPr kumimoji="1" lang="en-US" altLang="zh-CN" sz="6000" dirty="0">
+                <a:solidFill>
+                  <a:schemeClr val="bg1"/>
+                </a:solidFill>
+              </a:rPr>
+              <a:t>Hive</a:t>
             </a:r>
             <a:endParaRPr sz="5866" dirty="0">
               <a:solidFill>

--- a/第六章 Hadoop生态圈Hive.pptx
+++ b/第六章 Hadoop生态圈Hive.pptx
@@ -229,7 +229,7 @@
           <a:p>
             <a:fld id="{EBA7462B-154F-E647-9BF2-E8B82EB7C5D0}" type="datetimeFigureOut">
               <a:rPr kumimoji="1" lang="zh-CN" altLang="en-US" smtClean="0"/>
-              <a:t>2020/2/25</a:t>
+              <a:t>2020/5/6</a:t>
             </a:fld>
             <a:endParaRPr kumimoji="1" lang="zh-CN" altLang="en-US"/>
           </a:p>
@@ -15275,291 +15275,6 @@
           </p:style>
         </p:cxnSp>
       </p:grpSp>
-      <p:sp>
-        <p:nvSpPr>
-          <p:cNvPr id="3" name="文本框 2">
-            <a:extLst>
-              <a:ext uri="{FF2B5EF4-FFF2-40B4-BE49-F238E27FC236}">
-                <a16:creationId xmlns:a16="http://schemas.microsoft.com/office/drawing/2014/main" id="{E47E8625-C018-6A4B-95B2-C8D6CA7A818A}"/>
-              </a:ext>
-            </a:extLst>
-          </p:cNvPr>
-          <p:cNvSpPr txBox="1"/>
-          <p:nvPr/>
-        </p:nvSpPr>
-        <p:spPr>
-          <a:xfrm>
-            <a:off x="1345720" y="1828800"/>
-            <a:ext cx="6142008" cy="3477875"/>
-          </a:xfrm>
-          <a:prstGeom prst="rect">
-            <a:avLst/>
-          </a:prstGeom>
-          <a:noFill/>
-        </p:spPr>
-        <p:txBody>
-          <a:bodyPr wrap="square" rtlCol="0">
-            <a:spAutoFit/>
-          </a:bodyPr>
-          <a:lstStyle/>
-          <a:p>
-            <a:pPr marL="285750" indent="-285750">
-              <a:buFont typeface="Wingdings" pitchFamily="2" charset="2"/>
-              <a:buChar char="Ø"/>
-            </a:pPr>
-            <a:r>
-              <a:rPr lang="en-US" altLang="zh-CN" sz="2000" dirty="0">
-                <a:solidFill>
-                  <a:schemeClr val="bg1"/>
-                </a:solidFill>
-              </a:rPr>
-              <a:t>HDFS</a:t>
-            </a:r>
-            <a:r>
-              <a:rPr lang="zh-CN" altLang="en-US" sz="2000" dirty="0">
-                <a:solidFill>
-                  <a:schemeClr val="bg1"/>
-                </a:solidFill>
-              </a:rPr>
-              <a:t>基本特征与架构</a:t>
-            </a:r>
-            <a:endParaRPr lang="en-US" altLang="zh-CN" sz="2000" dirty="0">
-              <a:solidFill>
-                <a:schemeClr val="bg1"/>
-              </a:solidFill>
-            </a:endParaRPr>
-          </a:p>
-          <a:p>
-            <a:r>
-              <a:rPr lang="zh-CN" altLang="en-US" sz="2000" dirty="0">
-                <a:solidFill>
-                  <a:schemeClr val="bg1"/>
-                </a:solidFill>
-              </a:rPr>
-              <a:t>架构、</a:t>
-            </a:r>
-            <a:r>
-              <a:rPr lang="en-US" altLang="zh-CN" sz="2000" dirty="0" err="1">
-                <a:solidFill>
-                  <a:schemeClr val="bg1"/>
-                </a:solidFill>
-              </a:rPr>
-              <a:t>NameNode</a:t>
-            </a:r>
-            <a:r>
-              <a:rPr lang="zh-CN" altLang="en-US" sz="2000" dirty="0">
-                <a:solidFill>
-                  <a:schemeClr val="bg1"/>
-                </a:solidFill>
-              </a:rPr>
-              <a:t>、</a:t>
-            </a:r>
-            <a:r>
-              <a:rPr lang="en-US" altLang="zh-CN" sz="2000" dirty="0" err="1">
-                <a:solidFill>
-                  <a:schemeClr val="bg1"/>
-                </a:solidFill>
-              </a:rPr>
-              <a:t>DataNode</a:t>
-            </a:r>
-            <a:r>
-              <a:rPr lang="zh-CN" altLang="en-US" sz="2000" dirty="0">
-                <a:solidFill>
-                  <a:schemeClr val="bg1"/>
-                </a:solidFill>
-              </a:rPr>
-              <a:t>、读写流程</a:t>
-            </a:r>
-            <a:endParaRPr lang="en-US" altLang="zh-CN" sz="2000" dirty="0">
-              <a:solidFill>
-                <a:schemeClr val="bg1"/>
-              </a:solidFill>
-            </a:endParaRPr>
-          </a:p>
-          <a:p>
-            <a:endParaRPr kumimoji="1" lang="en-US" altLang="zh-CN" sz="2000" dirty="0">
-              <a:solidFill>
-                <a:schemeClr val="bg1"/>
-              </a:solidFill>
-            </a:endParaRPr>
-          </a:p>
-          <a:p>
-            <a:pPr marL="285750" indent="-285750">
-              <a:buFont typeface="Wingdings" pitchFamily="2" charset="2"/>
-              <a:buChar char="Ø"/>
-            </a:pPr>
-            <a:r>
-              <a:rPr kumimoji="1" lang="en-US" altLang="zh-CN" sz="2000" dirty="0">
-                <a:solidFill>
-                  <a:schemeClr val="bg1"/>
-                </a:solidFill>
-              </a:rPr>
-              <a:t>HDFS</a:t>
-            </a:r>
-            <a:r>
-              <a:rPr kumimoji="1" lang="zh-CN" altLang="en-US" sz="2000" dirty="0">
-                <a:solidFill>
-                  <a:schemeClr val="bg1"/>
-                </a:solidFill>
-              </a:rPr>
-              <a:t>基本操作</a:t>
-            </a:r>
-            <a:endParaRPr kumimoji="1" lang="en-US" altLang="zh-CN" sz="2000" dirty="0">
-              <a:solidFill>
-                <a:schemeClr val="bg1"/>
-              </a:solidFill>
-            </a:endParaRPr>
-          </a:p>
-          <a:p>
-            <a:r>
-              <a:rPr kumimoji="1" lang="zh-CN" altLang="en-US" sz="2000" dirty="0">
-                <a:solidFill>
-                  <a:schemeClr val="bg1"/>
-                </a:solidFill>
-              </a:rPr>
-              <a:t>启动脚本、文件夹操作、文件操作</a:t>
-            </a:r>
-            <a:endParaRPr kumimoji="1" lang="en-US" altLang="zh-CN" sz="2000" dirty="0">
-              <a:solidFill>
-                <a:schemeClr val="bg1"/>
-              </a:solidFill>
-            </a:endParaRPr>
-          </a:p>
-          <a:p>
-            <a:pPr marL="285750" indent="-285750">
-              <a:buFont typeface="Wingdings" pitchFamily="2" charset="2"/>
-              <a:buChar char="Ø"/>
-            </a:pPr>
-            <a:endParaRPr kumimoji="1" lang="en-US" altLang="zh-CN" sz="2000" dirty="0">
-              <a:solidFill>
-                <a:schemeClr val="bg1"/>
-              </a:solidFill>
-            </a:endParaRPr>
-          </a:p>
-          <a:p>
-            <a:pPr marL="285750" indent="-285750">
-              <a:buFont typeface="Wingdings" pitchFamily="2" charset="2"/>
-              <a:buChar char="Ø"/>
-            </a:pPr>
-            <a:r>
-              <a:rPr kumimoji="1" lang="en-US" altLang="zh-CN" sz="2000" dirty="0">
-                <a:solidFill>
-                  <a:schemeClr val="bg1"/>
-                </a:solidFill>
-              </a:rPr>
-              <a:t>Hadoop</a:t>
-            </a:r>
-            <a:r>
-              <a:rPr kumimoji="1" lang="zh-CN" altLang="en-US" sz="2000" dirty="0">
-                <a:solidFill>
-                  <a:schemeClr val="bg1"/>
-                </a:solidFill>
-              </a:rPr>
-              <a:t>开发环境搭建</a:t>
-            </a:r>
-            <a:endParaRPr kumimoji="1" lang="en-US" altLang="zh-CN" sz="2000" dirty="0">
-              <a:solidFill>
-                <a:schemeClr val="bg1"/>
-              </a:solidFill>
-            </a:endParaRPr>
-          </a:p>
-          <a:p>
-            <a:r>
-              <a:rPr kumimoji="1" lang="en-US" altLang="zh-CN" sz="2000" dirty="0">
-                <a:solidFill>
-                  <a:schemeClr val="bg1"/>
-                </a:solidFill>
-              </a:rPr>
-              <a:t>Maven</a:t>
-            </a:r>
-            <a:r>
-              <a:rPr kumimoji="1" lang="zh-CN" altLang="en-US" sz="2000" dirty="0">
-                <a:solidFill>
-                  <a:schemeClr val="bg1"/>
-                </a:solidFill>
-              </a:rPr>
-              <a:t>项目，打包</a:t>
-            </a:r>
-            <a:endParaRPr kumimoji="1" lang="en-US" altLang="zh-CN" sz="2000" dirty="0">
-              <a:solidFill>
-                <a:schemeClr val="bg1"/>
-              </a:solidFill>
-            </a:endParaRPr>
-          </a:p>
-          <a:p>
-            <a:pPr marL="285750" indent="-285750">
-              <a:buFont typeface="Wingdings" pitchFamily="2" charset="2"/>
-              <a:buChar char="Ø"/>
-            </a:pPr>
-            <a:endParaRPr kumimoji="1" lang="en-US" altLang="zh-CN" sz="2000" dirty="0">
-              <a:solidFill>
-                <a:schemeClr val="bg1"/>
-              </a:solidFill>
-            </a:endParaRPr>
-          </a:p>
-          <a:p>
-            <a:pPr marL="285750" indent="-285750">
-              <a:buFont typeface="Wingdings" pitchFamily="2" charset="2"/>
-              <a:buChar char="Ø"/>
-            </a:pPr>
-            <a:r>
-              <a:rPr kumimoji="1" lang="en-US" altLang="zh-CN" sz="2000" dirty="0">
-                <a:solidFill>
-                  <a:schemeClr val="bg1"/>
-                </a:solidFill>
-              </a:rPr>
-              <a:t>HDFS</a:t>
-            </a:r>
-            <a:r>
-              <a:rPr kumimoji="1" lang="zh-CN" altLang="en-US" sz="2000" dirty="0">
-                <a:solidFill>
-                  <a:schemeClr val="bg1"/>
-                </a:solidFill>
-              </a:rPr>
-              <a:t>相关</a:t>
-            </a:r>
-            <a:r>
-              <a:rPr kumimoji="1" lang="en-US" altLang="zh-CN" sz="2000" dirty="0">
-                <a:solidFill>
-                  <a:schemeClr val="bg1"/>
-                </a:solidFill>
-              </a:rPr>
-              <a:t>Java</a:t>
-            </a:r>
-            <a:r>
-              <a:rPr kumimoji="1" lang="zh-CN" altLang="en-US" sz="2000" dirty="0">
-                <a:solidFill>
-                  <a:schemeClr val="bg1"/>
-                </a:solidFill>
-              </a:rPr>
-              <a:t> </a:t>
-            </a:r>
-            <a:r>
-              <a:rPr kumimoji="1" lang="en-US" altLang="zh-CN" sz="2000" dirty="0">
-                <a:solidFill>
-                  <a:schemeClr val="bg1"/>
-                </a:solidFill>
-              </a:rPr>
-              <a:t>API</a:t>
-            </a:r>
-          </a:p>
-          <a:p>
-            <a:r>
-              <a:rPr kumimoji="1" lang="zh-CN" altLang="en-US" sz="2000" dirty="0">
-                <a:solidFill>
-                  <a:schemeClr val="bg1"/>
-                </a:solidFill>
-              </a:rPr>
-              <a:t>文件夹操作、数据读写操作</a:t>
-            </a:r>
-            <a:endParaRPr kumimoji="1" lang="en-US" altLang="zh-CN" sz="2000" dirty="0">
-              <a:solidFill>
-                <a:schemeClr val="bg1"/>
-              </a:solidFill>
-            </a:endParaRPr>
-          </a:p>
-        </p:txBody>
-      </p:sp>
     </p:spTree>
     <p:extLst>
       <p:ext uri="{BB962C8B-B14F-4D97-AF65-F5344CB8AC3E}">
@@ -15573,452 +15288,6 @@
   <p:transition spd="med" advClick="0" advTm="1000">
     <p:fade/>
   </p:transition>
-  <p:timing>
-    <p:tnLst>
-      <p:par>
-        <p:cTn id="1" dur="indefinite" restart="never" nodeType="tmRoot">
-          <p:childTnLst>
-            <p:seq concurrent="1" nextAc="seek">
-              <p:cTn id="2" dur="indefinite" nodeType="mainSeq">
-                <p:childTnLst>
-                  <p:par>
-                    <p:cTn id="3" fill="hold">
-                      <p:stCondLst>
-                        <p:cond delay="indefinite"/>
-                      </p:stCondLst>
-                      <p:childTnLst>
-                        <p:par>
-                          <p:cTn id="4" fill="hold">
-                            <p:stCondLst>
-                              <p:cond delay="0"/>
-                            </p:stCondLst>
-                            <p:childTnLst>
-                              <p:par>
-                                <p:cTn id="5" presetID="5" presetClass="entr" presetSubtype="10" fill="hold" nodeType="clickEffect">
-                                  <p:stCondLst>
-                                    <p:cond delay="0"/>
-                                  </p:stCondLst>
-                                  <p:childTnLst>
-                                    <p:set>
-                                      <p:cBhvr>
-                                        <p:cTn id="6" dur="1" fill="hold">
-                                          <p:stCondLst>
-                                            <p:cond delay="0"/>
-                                          </p:stCondLst>
-                                        </p:cTn>
-                                        <p:tgtEl>
-                                          <p:spTgt spid="3">
-                                            <p:txEl>
-                                              <p:pRg st="0" end="0"/>
-                                            </p:txEl>
-                                          </p:spTgt>
-                                        </p:tgtEl>
-                                        <p:attrNameLst>
-                                          <p:attrName>style.visibility</p:attrName>
-                                        </p:attrNameLst>
-                                      </p:cBhvr>
-                                      <p:to>
-                                        <p:strVal val="visible"/>
-                                      </p:to>
-                                    </p:set>
-                                    <p:animEffect transition="in" filter="checkerboard(across)">
-                                      <p:cBhvr>
-                                        <p:cTn id="7" dur="500"/>
-                                        <p:tgtEl>
-                                          <p:spTgt spid="3">
-                                            <p:txEl>
-                                              <p:pRg st="0" end="0"/>
-                                            </p:txEl>
-                                          </p:spTgt>
-                                        </p:tgtEl>
-                                      </p:cBhvr>
-                                    </p:animEffect>
-                                  </p:childTnLst>
-                                </p:cTn>
-                              </p:par>
-                              <p:par>
-                                <p:cTn id="8" presetID="5" presetClass="entr" presetSubtype="10" fill="hold" nodeType="withEffect">
-                                  <p:stCondLst>
-                                    <p:cond delay="0"/>
-                                  </p:stCondLst>
-                                  <p:childTnLst>
-                                    <p:set>
-                                      <p:cBhvr>
-                                        <p:cTn id="9" dur="1" fill="hold">
-                                          <p:stCondLst>
-                                            <p:cond delay="0"/>
-                                          </p:stCondLst>
-                                        </p:cTn>
-                                        <p:tgtEl>
-                                          <p:spTgt spid="3">
-                                            <p:txEl>
-                                              <p:pRg st="1" end="1"/>
-                                            </p:txEl>
-                                          </p:spTgt>
-                                        </p:tgtEl>
-                                        <p:attrNameLst>
-                                          <p:attrName>style.visibility</p:attrName>
-                                        </p:attrNameLst>
-                                      </p:cBhvr>
-                                      <p:to>
-                                        <p:strVal val="visible"/>
-                                      </p:to>
-                                    </p:set>
-                                    <p:animEffect transition="in" filter="checkerboard(across)">
-                                      <p:cBhvr>
-                                        <p:cTn id="10" dur="500"/>
-                                        <p:tgtEl>
-                                          <p:spTgt spid="3">
-                                            <p:txEl>
-                                              <p:pRg st="1" end="1"/>
-                                            </p:txEl>
-                                          </p:spTgt>
-                                        </p:tgtEl>
-                                      </p:cBhvr>
-                                    </p:animEffect>
-                                  </p:childTnLst>
-                                </p:cTn>
-                              </p:par>
-                            </p:childTnLst>
-                          </p:cTn>
-                        </p:par>
-                      </p:childTnLst>
-                    </p:cTn>
-                  </p:par>
-                  <p:par>
-                    <p:cTn id="11" fill="hold">
-                      <p:stCondLst>
-                        <p:cond delay="indefinite"/>
-                      </p:stCondLst>
-                      <p:childTnLst>
-                        <p:par>
-                          <p:cTn id="12" fill="hold">
-                            <p:stCondLst>
-                              <p:cond delay="0"/>
-                            </p:stCondLst>
-                            <p:childTnLst>
-                              <p:par>
-                                <p:cTn id="13" presetID="9" presetClass="entr" presetSubtype="0" fill="hold" nodeType="clickEffect">
-                                  <p:stCondLst>
-                                    <p:cond delay="0"/>
-                                  </p:stCondLst>
-                                  <p:childTnLst>
-                                    <p:set>
-                                      <p:cBhvr>
-                                        <p:cTn id="14" dur="1" fill="hold">
-                                          <p:stCondLst>
-                                            <p:cond delay="0"/>
-                                          </p:stCondLst>
-                                        </p:cTn>
-                                        <p:tgtEl>
-                                          <p:spTgt spid="3">
-                                            <p:txEl>
-                                              <p:pRg st="3" end="3"/>
-                                            </p:txEl>
-                                          </p:spTgt>
-                                        </p:tgtEl>
-                                        <p:attrNameLst>
-                                          <p:attrName>style.visibility</p:attrName>
-                                        </p:attrNameLst>
-                                      </p:cBhvr>
-                                      <p:to>
-                                        <p:strVal val="visible"/>
-                                      </p:to>
-                                    </p:set>
-                                    <p:animEffect transition="in" filter="dissolve">
-                                      <p:cBhvr>
-                                        <p:cTn id="15" dur="500"/>
-                                        <p:tgtEl>
-                                          <p:spTgt spid="3">
-                                            <p:txEl>
-                                              <p:pRg st="3" end="3"/>
-                                            </p:txEl>
-                                          </p:spTgt>
-                                        </p:tgtEl>
-                                      </p:cBhvr>
-                                    </p:animEffect>
-                                  </p:childTnLst>
-                                </p:cTn>
-                              </p:par>
-                              <p:par>
-                                <p:cTn id="16" presetID="9" presetClass="entr" presetSubtype="0" fill="hold" nodeType="withEffect">
-                                  <p:stCondLst>
-                                    <p:cond delay="0"/>
-                                  </p:stCondLst>
-                                  <p:childTnLst>
-                                    <p:set>
-                                      <p:cBhvr>
-                                        <p:cTn id="17" dur="1" fill="hold">
-                                          <p:stCondLst>
-                                            <p:cond delay="0"/>
-                                          </p:stCondLst>
-                                        </p:cTn>
-                                        <p:tgtEl>
-                                          <p:spTgt spid="3">
-                                            <p:txEl>
-                                              <p:pRg st="4" end="4"/>
-                                            </p:txEl>
-                                          </p:spTgt>
-                                        </p:tgtEl>
-                                        <p:attrNameLst>
-                                          <p:attrName>style.visibility</p:attrName>
-                                        </p:attrNameLst>
-                                      </p:cBhvr>
-                                      <p:to>
-                                        <p:strVal val="visible"/>
-                                      </p:to>
-                                    </p:set>
-                                    <p:animEffect transition="in" filter="dissolve">
-                                      <p:cBhvr>
-                                        <p:cTn id="18" dur="500"/>
-                                        <p:tgtEl>
-                                          <p:spTgt spid="3">
-                                            <p:txEl>
-                                              <p:pRg st="4" end="4"/>
-                                            </p:txEl>
-                                          </p:spTgt>
-                                        </p:tgtEl>
-                                      </p:cBhvr>
-                                    </p:animEffect>
-                                  </p:childTnLst>
-                                </p:cTn>
-                              </p:par>
-                            </p:childTnLst>
-                          </p:cTn>
-                        </p:par>
-                      </p:childTnLst>
-                    </p:cTn>
-                  </p:par>
-                  <p:par>
-                    <p:cTn id="19" fill="hold">
-                      <p:stCondLst>
-                        <p:cond delay="indefinite"/>
-                      </p:stCondLst>
-                      <p:childTnLst>
-                        <p:par>
-                          <p:cTn id="20" fill="hold">
-                            <p:stCondLst>
-                              <p:cond delay="0"/>
-                            </p:stCondLst>
-                            <p:childTnLst>
-                              <p:par>
-                                <p:cTn id="21" presetID="5" presetClass="entr" presetSubtype="10" fill="hold" nodeType="clickEffect">
-                                  <p:stCondLst>
-                                    <p:cond delay="0"/>
-                                  </p:stCondLst>
-                                  <p:childTnLst>
-                                    <p:set>
-                                      <p:cBhvr>
-                                        <p:cTn id="22" dur="1" fill="hold">
-                                          <p:stCondLst>
-                                            <p:cond delay="0"/>
-                                          </p:stCondLst>
-                                        </p:cTn>
-                                        <p:tgtEl>
-                                          <p:spTgt spid="3">
-                                            <p:txEl>
-                                              <p:pRg st="6" end="6"/>
-                                            </p:txEl>
-                                          </p:spTgt>
-                                        </p:tgtEl>
-                                        <p:attrNameLst>
-                                          <p:attrName>style.visibility</p:attrName>
-                                        </p:attrNameLst>
-                                      </p:cBhvr>
-                                      <p:to>
-                                        <p:strVal val="visible"/>
-                                      </p:to>
-                                    </p:set>
-                                    <p:animEffect transition="in" filter="checkerboard(across)">
-                                      <p:cBhvr>
-                                        <p:cTn id="23" dur="500"/>
-                                        <p:tgtEl>
-                                          <p:spTgt spid="3">
-                                            <p:txEl>
-                                              <p:pRg st="6" end="6"/>
-                                            </p:txEl>
-                                          </p:spTgt>
-                                        </p:tgtEl>
-                                      </p:cBhvr>
-                                    </p:animEffect>
-                                  </p:childTnLst>
-                                </p:cTn>
-                              </p:par>
-                              <p:par>
-                                <p:cTn id="24" presetID="5" presetClass="entr" presetSubtype="10" fill="hold" nodeType="withEffect">
-                                  <p:stCondLst>
-                                    <p:cond delay="0"/>
-                                  </p:stCondLst>
-                                  <p:childTnLst>
-                                    <p:set>
-                                      <p:cBhvr>
-                                        <p:cTn id="25" dur="1" fill="hold">
-                                          <p:stCondLst>
-                                            <p:cond delay="0"/>
-                                          </p:stCondLst>
-                                        </p:cTn>
-                                        <p:tgtEl>
-                                          <p:spTgt spid="3">
-                                            <p:txEl>
-                                              <p:pRg st="7" end="7"/>
-                                            </p:txEl>
-                                          </p:spTgt>
-                                        </p:tgtEl>
-                                        <p:attrNameLst>
-                                          <p:attrName>style.visibility</p:attrName>
-                                        </p:attrNameLst>
-                                      </p:cBhvr>
-                                      <p:to>
-                                        <p:strVal val="visible"/>
-                                      </p:to>
-                                    </p:set>
-                                    <p:animEffect transition="in" filter="checkerboard(across)">
-                                      <p:cBhvr>
-                                        <p:cTn id="26" dur="500"/>
-                                        <p:tgtEl>
-                                          <p:spTgt spid="3">
-                                            <p:txEl>
-                                              <p:pRg st="7" end="7"/>
-                                            </p:txEl>
-                                          </p:spTgt>
-                                        </p:tgtEl>
-                                      </p:cBhvr>
-                                    </p:animEffect>
-                                  </p:childTnLst>
-                                </p:cTn>
-                              </p:par>
-                            </p:childTnLst>
-                          </p:cTn>
-                        </p:par>
-                      </p:childTnLst>
-                    </p:cTn>
-                  </p:par>
-                  <p:par>
-                    <p:cTn id="27" fill="hold">
-                      <p:stCondLst>
-                        <p:cond delay="indefinite"/>
-                      </p:stCondLst>
-                      <p:childTnLst>
-                        <p:par>
-                          <p:cTn id="28" fill="hold">
-                            <p:stCondLst>
-                              <p:cond delay="0"/>
-                            </p:stCondLst>
-                            <p:childTnLst>
-                              <p:par>
-                                <p:cTn id="29" presetID="9" presetClass="entr" presetSubtype="0" fill="hold" nodeType="clickEffect">
-                                  <p:stCondLst>
-                                    <p:cond delay="0"/>
-                                  </p:stCondLst>
-                                  <p:childTnLst>
-                                    <p:set>
-                                      <p:cBhvr>
-                                        <p:cTn id="30" dur="1" fill="hold">
-                                          <p:stCondLst>
-                                            <p:cond delay="0"/>
-                                          </p:stCondLst>
-                                        </p:cTn>
-                                        <p:tgtEl>
-                                          <p:spTgt spid="3">
-                                            <p:txEl>
-                                              <p:pRg st="9" end="9"/>
-                                            </p:txEl>
-                                          </p:spTgt>
-                                        </p:tgtEl>
-                                        <p:attrNameLst>
-                                          <p:attrName>style.visibility</p:attrName>
-                                        </p:attrNameLst>
-                                      </p:cBhvr>
-                                      <p:to>
-                                        <p:strVal val="visible"/>
-                                      </p:to>
-                                    </p:set>
-                                    <p:animEffect transition="in" filter="dissolve">
-                                      <p:cBhvr>
-                                        <p:cTn id="31" dur="500"/>
-                                        <p:tgtEl>
-                                          <p:spTgt spid="3">
-                                            <p:txEl>
-                                              <p:pRg st="9" end="9"/>
-                                            </p:txEl>
-                                          </p:spTgt>
-                                        </p:tgtEl>
-                                      </p:cBhvr>
-                                    </p:animEffect>
-                                  </p:childTnLst>
-                                </p:cTn>
-                              </p:par>
-                              <p:par>
-                                <p:cTn id="32" presetID="9" presetClass="entr" presetSubtype="0" fill="hold" nodeType="withEffect">
-                                  <p:stCondLst>
-                                    <p:cond delay="0"/>
-                                  </p:stCondLst>
-                                  <p:childTnLst>
-                                    <p:set>
-                                      <p:cBhvr>
-                                        <p:cTn id="33" dur="1" fill="hold">
-                                          <p:stCondLst>
-                                            <p:cond delay="0"/>
-                                          </p:stCondLst>
-                                        </p:cTn>
-                                        <p:tgtEl>
-                                          <p:spTgt spid="3">
-                                            <p:txEl>
-                                              <p:pRg st="10" end="10"/>
-                                            </p:txEl>
-                                          </p:spTgt>
-                                        </p:tgtEl>
-                                        <p:attrNameLst>
-                                          <p:attrName>style.visibility</p:attrName>
-                                        </p:attrNameLst>
-                                      </p:cBhvr>
-                                      <p:to>
-                                        <p:strVal val="visible"/>
-                                      </p:to>
-                                    </p:set>
-                                    <p:animEffect transition="in" filter="dissolve">
-                                      <p:cBhvr>
-                                        <p:cTn id="34" dur="500"/>
-                                        <p:tgtEl>
-                                          <p:spTgt spid="3">
-                                            <p:txEl>
-                                              <p:pRg st="10" end="10"/>
-                                            </p:txEl>
-                                          </p:spTgt>
-                                        </p:tgtEl>
-                                      </p:cBhvr>
-                                    </p:animEffect>
-                                  </p:childTnLst>
-                                </p:cTn>
-                              </p:par>
-                            </p:childTnLst>
-                          </p:cTn>
-                        </p:par>
-                      </p:childTnLst>
-                    </p:cTn>
-                  </p:par>
-                </p:childTnLst>
-              </p:cTn>
-              <p:prevCondLst>
-                <p:cond evt="onPrev" delay="0">
-                  <p:tgtEl>
-                    <p:sldTgt/>
-                  </p:tgtEl>
-                </p:cond>
-              </p:prevCondLst>
-              <p:nextCondLst>
-                <p:cond evt="onNext" delay="0">
-                  <p:tgtEl>
-                    <p:sldTgt/>
-                  </p:tgtEl>
-                </p:cond>
-              </p:nextCondLst>
-            </p:seq>
-          </p:childTnLst>
-        </p:cTn>
-      </p:par>
-    </p:tnLst>
-  </p:timing>
 </p:sld>
 </file>
 
